--- a/PPA_Project_Presentation (Blackjack Game).pptx
+++ b/PPA_Project_Presentation (Blackjack Game).pptx
@@ -17,7 +17,6 @@
     <p:sldId id="264" r:id="rId12"/>
     <p:sldId id="265" r:id="rId13"/>
     <p:sldId id="266" r:id="rId14"/>
-    <p:sldId id="267" r:id="rId15"/>
   </p:sldIdLst>
   <p:sldSz cx="12192000" cy="6858000"/>
   <p:notesSz cx="7772400" cy="10058400"/>
@@ -75,7 +74,7 @@
         <p:txBody>
           <a:bodyPr/>
           <a:p>
-            <a:fld id="{A3195AC1-AB75-4982-AF6E-26368DB1219D}" type="slidenum">
+            <a:fld id="{D9712892-1F85-451A-A0BB-9C32ADC8C2AC}" type="slidenum">
               <a:t>&lt;#&gt;</a:t>
             </a:fld>
           </a:p>
@@ -287,7 +286,7 @@
         <p:txBody>
           <a:bodyPr/>
           <a:p>
-            <a:fld id="{9D9EBBF8-CF01-4779-8000-049B4B2F84ED}" type="slidenum">
+            <a:fld id="{66CA71BC-14AB-464B-842C-CCEC0586F9DE}" type="slidenum">
               <a:t>&lt;#&gt;</a:t>
             </a:fld>
           </a:p>
@@ -591,7 +590,7 @@
         <p:txBody>
           <a:bodyPr/>
           <a:p>
-            <a:fld id="{B2108B2A-E21A-41C7-B97A-4A3734553032}" type="slidenum">
+            <a:fld id="{93061F79-BD89-4408-BAA2-98A8442FC9D4}" type="slidenum">
               <a:t>&lt;#&gt;</a:t>
             </a:fld>
           </a:p>
@@ -987,7 +986,7 @@
         <p:txBody>
           <a:bodyPr/>
           <a:p>
-            <a:fld id="{220A55CB-4801-41A8-AB38-39ABF9AB20A1}" type="slidenum">
+            <a:fld id="{ACFE3744-0B3F-4258-B100-089146BBA23E}" type="slidenum">
               <a:t>&lt;#&gt;</a:t>
             </a:fld>
           </a:p>
@@ -1070,7 +1069,7 @@
         <p:txBody>
           <a:bodyPr/>
           <a:p>
-            <a:fld id="{B08CD3A6-C9E9-4441-81B0-6109F76E38C9}" type="slidenum">
+            <a:fld id="{1D6BEFC4-9740-48B8-8E37-FA3203A214D6}" type="slidenum">
               <a:t>&lt;#&gt;</a:t>
             </a:fld>
           </a:p>
@@ -1227,7 +1226,7 @@
         <p:txBody>
           <a:bodyPr/>
           <a:p>
-            <a:fld id="{FEDD4C59-24AE-46A4-B58B-52A7837EC891}" type="slidenum">
+            <a:fld id="{F6F1D90D-94BB-47FB-BA67-4726D2AA2E7A}" type="slidenum">
               <a:t>&lt;#&gt;</a:t>
             </a:fld>
           </a:p>
@@ -1393,7 +1392,7 @@
         <p:txBody>
           <a:bodyPr/>
           <a:p>
-            <a:fld id="{3E7C260D-0A69-40A9-8F9E-B6C0FFF18891}" type="slidenum">
+            <a:fld id="{A1CC4065-AE48-448C-A7BC-AF6588078B34}" type="slidenum">
               <a:t>&lt;#&gt;</a:t>
             </a:fld>
           </a:p>
@@ -1605,7 +1604,7 @@
         <p:txBody>
           <a:bodyPr/>
           <a:p>
-            <a:fld id="{B0912A32-7FDC-48FC-8167-F32A12759B93}" type="slidenum">
+            <a:fld id="{5553DBC7-59DE-4BF4-B36E-A3611BE06F60}" type="slidenum">
               <a:t>&lt;#&gt;</a:t>
             </a:fld>
           </a:p>
@@ -1725,7 +1724,7 @@
         <p:txBody>
           <a:bodyPr/>
           <a:p>
-            <a:fld id="{95F18FC9-5496-40F1-A42D-784C63196520}" type="slidenum">
+            <a:fld id="{8DA0813A-CE3D-4F78-A9C1-C227DC1573C4}" type="slidenum">
               <a:t>&lt;#&gt;</a:t>
             </a:fld>
           </a:p>
@@ -1845,7 +1844,7 @@
         <p:txBody>
           <a:bodyPr/>
           <a:p>
-            <a:fld id="{04BBD74F-45B6-4C6F-9A9E-0EF5B0F2BD1D}" type="slidenum">
+            <a:fld id="{23972DBB-E975-471A-BF18-A51AC311A86F}" type="slidenum">
               <a:t>&lt;#&gt;</a:t>
             </a:fld>
           </a:p>
@@ -2103,7 +2102,7 @@
         <p:txBody>
           <a:bodyPr/>
           <a:p>
-            <a:fld id="{54FA9A5F-30D0-4C3C-A141-819E06443C36}" type="slidenum">
+            <a:fld id="{5461F406-9575-4C47-845F-0A3B116FA54A}" type="slidenum">
               <a:t>&lt;#&gt;</a:t>
             </a:fld>
           </a:p>
@@ -2260,7 +2259,7 @@
         <p:txBody>
           <a:bodyPr/>
           <a:p>
-            <a:fld id="{51B8F36E-D6D6-4116-822A-6AB81573662C}" type="slidenum">
+            <a:fld id="{E167D6BF-8B8C-4A90-B3FA-3925B2411FB4}" type="slidenum">
               <a:t>&lt;#&gt;</a:t>
             </a:fld>
           </a:p>
@@ -2518,7 +2517,7 @@
         <p:txBody>
           <a:bodyPr/>
           <a:p>
-            <a:fld id="{7AC0D8C2-1ED1-48EF-8DB4-19BFB5043B5C}" type="slidenum">
+            <a:fld id="{32B7F777-D1D5-4DD3-B2C5-1343AFDC734B}" type="slidenum">
               <a:t>&lt;#&gt;</a:t>
             </a:fld>
           </a:p>
@@ -2776,7 +2775,7 @@
         <p:txBody>
           <a:bodyPr/>
           <a:p>
-            <a:fld id="{4E4C7643-0EEA-4174-8578-543AA7980051}" type="slidenum">
+            <a:fld id="{A690368C-0771-4C92-BB24-2FD4A94DBD54}" type="slidenum">
               <a:t>&lt;#&gt;</a:t>
             </a:fld>
           </a:p>
@@ -2988,7 +2987,7 @@
         <p:txBody>
           <a:bodyPr/>
           <a:p>
-            <a:fld id="{B087768B-DAE5-4083-84FF-D0F1D152488D}" type="slidenum">
+            <a:fld id="{1F237F75-C0E4-4F21-ACFC-A4CED7A2DB51}" type="slidenum">
               <a:t>&lt;#&gt;</a:t>
             </a:fld>
           </a:p>
@@ -3292,7 +3291,7 @@
         <p:txBody>
           <a:bodyPr/>
           <a:p>
-            <a:fld id="{D2F593F5-52E9-49CB-B670-B87122FF4A80}" type="slidenum">
+            <a:fld id="{7A44C81B-6740-4A2B-AD3B-5DF36B6BDEA1}" type="slidenum">
               <a:t>&lt;#&gt;</a:t>
             </a:fld>
           </a:p>
@@ -3688,7 +3687,7 @@
         <p:txBody>
           <a:bodyPr/>
           <a:p>
-            <a:fld id="{69C86D63-AD42-49B1-B5F9-47F27211C3FA}" type="slidenum">
+            <a:fld id="{2AC8677B-9995-4001-94D9-E5858EE3FC1E}" type="slidenum">
               <a:t>&lt;#&gt;</a:t>
             </a:fld>
           </a:p>
@@ -3854,7 +3853,7 @@
         <p:txBody>
           <a:bodyPr/>
           <a:p>
-            <a:fld id="{F87E3F23-08EA-431F-8291-9896AE927B26}" type="slidenum">
+            <a:fld id="{50995F96-E7F3-4A95-923D-B76DEEEBD384}" type="slidenum">
               <a:t>&lt;#&gt;</a:t>
             </a:fld>
           </a:p>
@@ -4066,7 +4065,7 @@
         <p:txBody>
           <a:bodyPr/>
           <a:p>
-            <a:fld id="{85C55026-3E70-4D5E-BD36-92201B2E3538}" type="slidenum">
+            <a:fld id="{24FA3E9E-9919-4F35-9C9C-95C8A5F075BC}" type="slidenum">
               <a:t>&lt;#&gt;</a:t>
             </a:fld>
           </a:p>
@@ -4186,7 +4185,7 @@
         <p:txBody>
           <a:bodyPr/>
           <a:p>
-            <a:fld id="{3F30FA7F-5F99-4C67-AD64-376CF05008CF}" type="slidenum">
+            <a:fld id="{67260822-2B97-4B92-854A-19579C5A0FB7}" type="slidenum">
               <a:t>&lt;#&gt;</a:t>
             </a:fld>
           </a:p>
@@ -4306,7 +4305,7 @@
         <p:txBody>
           <a:bodyPr/>
           <a:p>
-            <a:fld id="{B297ACAD-33B5-4FF6-8E45-F0CA4D228D0A}" type="slidenum">
+            <a:fld id="{1106A5F7-F927-4836-A600-0B18139388D0}" type="slidenum">
               <a:t>&lt;#&gt;</a:t>
             </a:fld>
           </a:p>
@@ -4564,7 +4563,7 @@
         <p:txBody>
           <a:bodyPr/>
           <a:p>
-            <a:fld id="{39BE702D-D0FB-44E4-92C0-2068F4F1775B}" type="slidenum">
+            <a:fld id="{1586F438-FF9F-41D3-B360-0038B113AF34}" type="slidenum">
               <a:t>&lt;#&gt;</a:t>
             </a:fld>
           </a:p>
@@ -4822,7 +4821,7 @@
         <p:txBody>
           <a:bodyPr/>
           <a:p>
-            <a:fld id="{30BB5045-5AA2-42E8-BB7F-68CE2D603A7E}" type="slidenum">
+            <a:fld id="{039674C1-E919-49AC-B2F6-9B06EABAE925}" type="slidenum">
               <a:t>&lt;#&gt;</a:t>
             </a:fld>
           </a:p>
@@ -5080,7 +5079,7 @@
         <p:txBody>
           <a:bodyPr/>
           <a:p>
-            <a:fld id="{74A9D0F6-FA9B-4467-A7AE-52DAA05B1BD7}" type="slidenum">
+            <a:fld id="{4F56EF28-115D-430F-B5F4-57CA92525552}" type="slidenum">
               <a:t>&lt;#&gt;</a:t>
             </a:fld>
           </a:p>
@@ -5422,7 +5421,7 @@
               </a:lnSpc>
               <a:buNone/>
             </a:pPr>
-            <a:fld id="{E2B7FAA6-E896-4F17-B62C-0643B7EC042E}" type="slidenum">
+            <a:fld id="{1E0A14EA-A8FE-4B9B-9576-D8544FF6C385}" type="slidenum">
               <a:rPr b="0" lang="en-US" sz="1200" spc="-1" strike="noStrike">
                 <a:solidFill>
                   <a:srgbClr val="ffffff"/>
@@ -6171,7 +6170,7 @@
               </a:lnSpc>
               <a:buNone/>
             </a:pPr>
-            <a:fld id="{FB57A62E-6B89-459D-9791-D69FA447CB1E}" type="slidenum">
+            <a:fld id="{85916CD8-C78B-4335-A63C-C403A7044FC6}" type="slidenum">
               <a:rPr b="0" lang="en-US" sz="1200" spc="-1" strike="noStrike">
                 <a:solidFill>
                   <a:srgbClr val="ffffff"/>
@@ -6383,7 +6382,7 @@
                 </a:solidFill>
                 <a:latin typeface="Corbel"/>
               </a:rPr>
-              <a:t>Date: </a:t>
+              <a:t>Date: 2/28/2023 </a:t>
             </a:r>
             <a:endParaRPr b="0" lang="en-US" sz="2000" spc="-1" strike="noStrike">
               <a:latin typeface="Arial"/>
@@ -6521,7 +6520,7 @@
         </p:spPr>
         <p:txBody>
           <a:bodyPr anchor="t">
-            <a:normAutofit fontScale="90000"/>
+            <a:normAutofit fontScale="88000"/>
           </a:bodyPr>
           <a:p>
             <a:pPr>
@@ -6582,7 +6581,7 @@
                 </a:solidFill>
                 <a:latin typeface="Corbel"/>
               </a:rPr>
-              <a:t>Python is a popular high-level programming language that is easy to learn and use. Learning Python programming can be achieved through various resources, including books, online courses, tutorials, and practice exercises. If you find that Python programming is not taught in detail in your current course or program, there are plenty of resources available to learn on your own.</a:t>
+              <a:t>One of the main observations made was the powerful utilization of classes. One of the benefits of using classes was maintaining the data methods together. Thus, helping to keep the code organized. Classes also provided with the inheritance functionality. Class inheritance is a powerful feature of object-oriented programming that allows classes to inherit attributes and methods from other classes. </a:t>
             </a:r>
             <a:endParaRPr b="0" lang="en-US" sz="2200" spc="-1" strike="noStrike">
               <a:solidFill>
@@ -6618,7 +6617,7 @@
                 </a:solidFill>
                 <a:latin typeface="Corbel"/>
               </a:rPr>
-              <a:t>Class inheritance is a powerful feature of object-oriented programming that allows classes to inherit attributes and methods from other classes. To learn about class inheritance in Python, one approach is to start with the basics of object-oriented programming and gradually work up to more complex concepts such as inheritance. Online resources such as tutorials, videos, and articles can be helpful in learning about Python class inheritance.</a:t>
+              <a:t>Given that most of the classwork was based on functional programming, implementing classes in the game project helped in identifying the differences between the two paradigms. For instance, Function declarations, expressions can be overwritten, while classes are mostly extended. For this reason,  I observed that functions ae  great to utilize when data is central to the work being implemented, while classes work best when a collection of methods and attributes is required to be re-used again in other places. </a:t>
             </a:r>
             <a:endParaRPr b="0" lang="en-US" sz="2200" spc="-1" strike="noStrike">
               <a:solidFill>
@@ -6833,198 +6832,8 @@
                 </a:solidFill>
                 <a:latin typeface="Corbel"/>
               </a:rPr>
-              <a:t>Abstraction: Abstraction is a crucial concept in OOP, which involves breaking down complex problems into simpler, more manageable parts. It can be challenging to identify the right level of abstraction and ensure that your code is modular and easy to read.</a:t>
-            </a:r>
-            <a:endParaRPr b="0" lang="en-US" sz="2200" spc="-1" strike="noStrike">
-              <a:solidFill>
-                <a:srgbClr val="ffffff"/>
-              </a:solidFill>
-              <a:latin typeface="Corbel"/>
-            </a:endParaRPr>
-          </a:p>
-          <a:p>
-            <a:pPr>
-              <a:lnSpc>
-                <a:spcPct val="90000"/>
-              </a:lnSpc>
-              <a:spcBef>
-                <a:spcPts val="1199"/>
-              </a:spcBef>
-              <a:spcAft>
-                <a:spcPts val="201"/>
-              </a:spcAft>
-              <a:buNone/>
-              <a:tabLst>
-                <a:tab algn="l" pos="0"/>
-              </a:tabLst>
-            </a:pPr>
-            <a:endParaRPr b="0" lang="en-US" sz="2200" spc="-1" strike="noStrike">
-              <a:solidFill>
-                <a:srgbClr val="ffffff"/>
-              </a:solidFill>
-              <a:latin typeface="Corbel"/>
-            </a:endParaRPr>
-          </a:p>
-        </p:txBody>
-      </p:sp>
-    </p:spTree>
-  </p:cSld>
-  <mc:AlternateContent>
-    <mc:Choice Requires="p14">
-      <p:transition spd="slow" p14:dur="2000"/>
-    </mc:Choice>
-    <mc:Fallback>
-      <p:transition spd="slow"/>
-    </mc:Fallback>
-  </mc:AlternateContent>
-</p:sld>
-</file>
-
-<file path=ppt/slides/slide12.xml><?xml version="1.0" encoding="utf-8"?>
-<p:sld xmlns:a="http://schemas.openxmlformats.org/drawingml/2006/main" xmlns:p="http://schemas.openxmlformats.org/presentationml/2006/main" xmlns:r="http://schemas.openxmlformats.org/officeDocument/2006/relationships" xmlns:p14="http://schemas.microsoft.com/office/powerpoint/2010/main" xmlns:p15="http://schemas.microsoft.com/office/powerpoint/2012/main" xmlns:mc="http://schemas.openxmlformats.org/markup-compatibility/2006">
-  <p:cSld>
-    <p:spTree>
-      <p:nvGrpSpPr>
-        <p:cNvPr id="1" name=""/>
-        <p:cNvGrpSpPr/>
-        <p:nvPr/>
-      </p:nvGrpSpPr>
-      <p:grpSpPr>
-        <a:xfrm>
-          <a:off x="0" y="0"/>
-          <a:ext cx="0" cy="0"/>
-          <a:chOff x="0" y="0"/>
-          <a:chExt cx="0" cy="0"/>
-        </a:xfrm>
-      </p:grpSpPr>
-      <p:sp>
-        <p:nvSpPr>
-          <p:cNvPr id="109" name="PlaceHolder 1"/>
-          <p:cNvSpPr>
-            <a:spLocks noGrp="1"/>
-          </p:cNvSpPr>
-          <p:nvPr>
-            <p:ph type="title"/>
-          </p:nvPr>
-        </p:nvSpPr>
-        <p:spPr>
-          <a:xfrm>
-            <a:off x="1202760" y="284040"/>
-            <a:ext cx="9783720" cy="1508400"/>
-          </a:xfrm>
-          <a:prstGeom prst="rect">
-            <a:avLst/>
-          </a:prstGeom>
-          <a:noFill/>
-          <a:ln w="0">
-            <a:noFill/>
-          </a:ln>
-        </p:spPr>
-        <p:txBody>
-          <a:bodyPr anchor="ctr">
-            <a:noAutofit/>
-          </a:bodyPr>
-          <a:p>
-            <a:pPr>
-              <a:lnSpc>
-                <a:spcPct val="85000"/>
-              </a:lnSpc>
-              <a:buNone/>
-            </a:pPr>
-            <a:r>
-              <a:rPr b="0" lang="en-US" sz="4000" spc="-1" strike="noStrike" cap="all">
-                <a:solidFill>
-                  <a:srgbClr val="099bdd"/>
-                </a:solidFill>
-                <a:latin typeface="Corbel"/>
-              </a:rPr>
-              <a:t>conclusion</a:t>
-            </a:r>
-            <a:endParaRPr b="0" lang="en-US" sz="4000" spc="-1" strike="noStrike">
-              <a:solidFill>
-                <a:srgbClr val="ffffff"/>
-              </a:solidFill>
-              <a:latin typeface="Corbel"/>
-            </a:endParaRPr>
-          </a:p>
-        </p:txBody>
-      </p:sp>
-      <p:sp>
-        <p:nvSpPr>
-          <p:cNvPr id="110" name="PlaceHolder 2"/>
-          <p:cNvSpPr>
-            <a:spLocks noGrp="1"/>
-          </p:cNvSpPr>
-          <p:nvPr>
-            <p:ph/>
-          </p:nvPr>
-        </p:nvSpPr>
-        <p:spPr>
-          <a:xfrm>
-            <a:off x="1202760" y="2011680"/>
-            <a:ext cx="9783720" cy="4205880"/>
-          </a:xfrm>
-          <a:prstGeom prst="rect">
-            <a:avLst/>
-          </a:prstGeom>
-          <a:noFill/>
-          <a:ln w="0">
-            <a:noFill/>
-          </a:ln>
-        </p:spPr>
-        <p:txBody>
-          <a:bodyPr anchor="t">
-            <a:normAutofit/>
-          </a:bodyPr>
-          <a:p>
-            <a:pPr marL="182880" indent="-182880">
-              <a:lnSpc>
-                <a:spcPct val="90000"/>
-              </a:lnSpc>
-              <a:spcBef>
-                <a:spcPts val="1199"/>
-              </a:spcBef>
-              <a:spcAft>
-                <a:spcPts val="201"/>
-              </a:spcAft>
-              <a:buClr>
-                <a:srgbClr val="ffffff"/>
-              </a:buClr>
-              <a:buFont typeface="Wingdings" charset="2"/>
-              <a:buChar char=""/>
-            </a:pPr>
-            <a:r>
-              <a:rPr b="0" lang="en-US" sz="2200" spc="-1" strike="noStrike">
-                <a:solidFill>
-                  <a:srgbClr val="ffffff"/>
-                </a:solidFill>
-                <a:latin typeface="Corbel"/>
-              </a:rPr>
-              <a:t>Debugging: Debugging is a necessary part of programming, and it can be time-consuming and frustrating. Learning how to debug your code and identify and fix errors is a crucial skill for any programmer.</a:t>
-            </a:r>
-            <a:endParaRPr b="0" lang="en-US" sz="2200" spc="-1" strike="noStrike">
-              <a:solidFill>
-                <a:srgbClr val="ffffff"/>
-              </a:solidFill>
-              <a:latin typeface="Corbel"/>
-            </a:endParaRPr>
-          </a:p>
-          <a:p>
-            <a:pPr>
-              <a:lnSpc>
-                <a:spcPct val="90000"/>
-              </a:lnSpc>
-              <a:spcBef>
-                <a:spcPts val="1199"/>
-              </a:spcBef>
-              <a:spcAft>
-                <a:spcPts val="201"/>
-              </a:spcAft>
-              <a:buNone/>
-              <a:tabLst>
-                <a:tab algn="l" pos="0"/>
-              </a:tabLst>
-            </a:pPr>
+              <a:t>Debugging: Debugging is a necessary part of programming, and it can be time-consuming and frustrating. In this case,  debugging the code  was a challenge and had to use various resources such as stack-overflow and YouTube, which helped in identifying and fixing underlying errors.</a:t>
+            </a:r>
             <a:endParaRPr b="0" lang="en-US" sz="2200" spc="-1" strike="noStrike">
               <a:solidFill>
                 <a:srgbClr val="ffffff"/>
@@ -7400,7 +7209,27 @@
                 <a:latin typeface="Corbel"/>
                 <a:ea typeface="Noto Serif CJK SC"/>
               </a:rPr>
-              <a:t>The dealer gives two cards to each player and retains two cards to themselves. The dealer's first card is dealt face up, while the second card is dealt face down.</a:t>
+              <a:t>The dealer gives two cards to each player and retains two cards to </a:t>
+            </a:r>
+            <a:r>
+              <a:rPr b="0" lang="en-US" sz="2000" spc="-1" strike="noStrike">
+                <a:solidFill>
+                  <a:srgbClr val="ffffff"/>
+                </a:solidFill>
+                <a:latin typeface="Corbel"/>
+                <a:ea typeface="Noto Serif CJK SC"/>
+              </a:rPr>
+              <a:t>themselves. The dealer's first card is dealt face up, while the second card is </a:t>
+            </a:r>
+            <a:r>
+              <a:rPr b="0" lang="en-US" sz="2000" spc="-1" strike="noStrike">
+                <a:solidFill>
+                  <a:srgbClr val="ffffff"/>
+                </a:solidFill>
+                <a:latin typeface="Corbel"/>
+                <a:ea typeface="Noto Serif CJK SC"/>
+              </a:rPr>
+              <a:t>dealt face down.</a:t>
             </a:r>
             <a:endParaRPr b="0" lang="en-US" sz="2000" spc="-1" strike="noStrike">
               <a:solidFill>
@@ -7434,7 +7263,37 @@
                 <a:latin typeface="Corbel"/>
                 <a:ea typeface="Noto Serif CJK SC"/>
               </a:rPr>
-              <a:t>Calculating the hand value: Players add up the total value of their cards. Cards 2 through 10 are worth their face value, face cards (Kings, Queens, and Jacks) are worth 10 points each, and Aces can be worth 1 or 11 points, depending on the player's choice.</a:t>
+              <a:t>Calculating the hand value: Players add up the total value of their cards. Cards </a:t>
+            </a:r>
+            <a:r>
+              <a:rPr b="0" lang="en-US" sz="2000" spc="-1" strike="noStrike">
+                <a:solidFill>
+                  <a:srgbClr val="ffffff"/>
+                </a:solidFill>
+                <a:latin typeface="Corbel"/>
+                <a:ea typeface="Noto Serif CJK SC"/>
+              </a:rPr>
+              <a:t>2 through 10 are worth their face value, face cards (Kings, Queens, and Jacks) </a:t>
+            </a:r>
+            <a:r>
+              <a:rPr b="0" lang="en-US" sz="2000" spc="-1" strike="noStrike">
+                <a:solidFill>
+                  <a:srgbClr val="ffffff"/>
+                </a:solidFill>
+                <a:latin typeface="Corbel"/>
+                <a:ea typeface="Noto Serif CJK SC"/>
+              </a:rPr>
+              <a:t>are worth 10 points each, and Aces can be worth 1 or 11 points, depending on </a:t>
+            </a:r>
+            <a:r>
+              <a:rPr b="0" lang="en-US" sz="2000" spc="-1" strike="noStrike">
+                <a:solidFill>
+                  <a:srgbClr val="ffffff"/>
+                </a:solidFill>
+                <a:latin typeface="Corbel"/>
+                <a:ea typeface="Noto Serif CJK SC"/>
+              </a:rPr>
+              <a:t>the player's choice.</a:t>
             </a:r>
             <a:endParaRPr b="0" lang="en-US" sz="2000" spc="-1" strike="noStrike">
               <a:solidFill>
@@ -7468,7 +7327,27 @@
                 <a:latin typeface="Corbel"/>
                 <a:ea typeface="Noto Serif CJK SC"/>
               </a:rPr>
-              <a:t>Playing the hand: The player can choose to "hit" (ask for another card) to increase their hand value, or "stand" (keep their current hand). Players can continue to hit until they decide to stand or their hand value exceeds 21.</a:t>
+              <a:t>Playing the hand: The player can choose to "hit" (ask for another card) to </a:t>
+            </a:r>
+            <a:r>
+              <a:rPr b="0" lang="en-US" sz="2000" spc="-1" strike="noStrike">
+                <a:solidFill>
+                  <a:srgbClr val="ffffff"/>
+                </a:solidFill>
+                <a:latin typeface="Corbel"/>
+                <a:ea typeface="Noto Serif CJK SC"/>
+              </a:rPr>
+              <a:t>increase their hand value, or "stand" (keep their current hand). Players can </a:t>
+            </a:r>
+            <a:r>
+              <a:rPr b="0" lang="en-US" sz="2000" spc="-1" strike="noStrike">
+                <a:solidFill>
+                  <a:srgbClr val="ffffff"/>
+                </a:solidFill>
+                <a:latin typeface="Corbel"/>
+                <a:ea typeface="Noto Serif CJK SC"/>
+              </a:rPr>
+              <a:t>continue to hit until they decide to stand or their hand value exceeds 21.</a:t>
             </a:r>
             <a:endParaRPr b="0" lang="en-US" sz="2000" spc="-1" strike="noStrike">
               <a:solidFill>
@@ -7502,7 +7381,37 @@
                 <a:latin typeface="Corbel"/>
                 <a:ea typeface="Noto Serif CJK SC"/>
               </a:rPr>
-              <a:t>Dealer's turn: After all players have completed their turns, the dealer reveals their face-down card. If the dealer's hand is less than 17, they must continue to hit until their hand value is 17 or greater. If the dealer's hand exceeds 21, all remaining players win.</a:t>
+              <a:t>Dealer's turn: After all players have completed their turns, the dealer reveals </a:t>
+            </a:r>
+            <a:r>
+              <a:rPr b="0" lang="en-US" sz="2000" spc="-1" strike="noStrike">
+                <a:solidFill>
+                  <a:srgbClr val="ffffff"/>
+                </a:solidFill>
+                <a:latin typeface="Corbel"/>
+                <a:ea typeface="Noto Serif CJK SC"/>
+              </a:rPr>
+              <a:t>their face-down card. If the dealer's hand is less than 17, they must continue </a:t>
+            </a:r>
+            <a:r>
+              <a:rPr b="0" lang="en-US" sz="2000" spc="-1" strike="noStrike">
+                <a:solidFill>
+                  <a:srgbClr val="ffffff"/>
+                </a:solidFill>
+                <a:latin typeface="Corbel"/>
+                <a:ea typeface="Noto Serif CJK SC"/>
+              </a:rPr>
+              <a:t>to hit until their hand value is 17 or greater. If the dealer's hand exceeds 21, </a:t>
+            </a:r>
+            <a:r>
+              <a:rPr b="0" lang="en-US" sz="2000" spc="-1" strike="noStrike">
+                <a:solidFill>
+                  <a:srgbClr val="ffffff"/>
+                </a:solidFill>
+                <a:latin typeface="Corbel"/>
+                <a:ea typeface="Noto Serif CJK SC"/>
+              </a:rPr>
+              <a:t>all remaining players win.</a:t>
             </a:r>
             <a:endParaRPr b="0" lang="en-US" sz="2000" spc="-1" strike="noStrike">
               <a:solidFill>
@@ -7874,7 +7783,34 @@
                 </a:solidFill>
                 <a:latin typeface="Corbel"/>
               </a:rPr>
-              <a:t>The main goal programming the blackjack game  help me improve my python programming skills and gain experience with various concepts and tools such as using functions, classes, loops, methods and objects. </a:t>
+              <a:t>The main goal programming the blackjack game  help me improve </a:t>
+            </a:r>
+            <a:r>
+              <a:rPr b="0" lang="en-US" sz="2200" spc="-1" strike="noStrike">
+                <a:solidFill>
+                  <a:srgbClr val="ffffff"/>
+                </a:solidFill>
+                <a:latin typeface="Corbel"/>
+              </a:rPr>
+              <a:t>my python programming skills and gain experience with various </a:t>
+            </a:r>
+            <a:r>
+              <a:rPr b="0" lang="en-US" sz="2200" spc="-1" strike="noStrike">
+                <a:solidFill>
+                  <a:srgbClr val="ffffff"/>
+                </a:solidFill>
+                <a:latin typeface="Corbel"/>
+              </a:rPr>
+              <a:t>concepts and tools such as using functions, classes, loops, methods </a:t>
+            </a:r>
+            <a:r>
+              <a:rPr b="0" lang="en-US" sz="2200" spc="-1" strike="noStrike">
+                <a:solidFill>
+                  <a:srgbClr val="ffffff"/>
+                </a:solidFill>
+                <a:latin typeface="Corbel"/>
+              </a:rPr>
+              <a:t>and objects. </a:t>
             </a:r>
             <a:endParaRPr b="0" lang="en-US" sz="2200" spc="-1" strike="noStrike">
               <a:solidFill>
@@ -7907,7 +7843,17 @@
                 <a:latin typeface="Corbel"/>
                 <a:ea typeface="Noto Sans CJK SC"/>
               </a:rPr>
-              <a:t>Combining the use of python data structures, functions, classes and loops  helped me to think critically </a:t>
+              <a:t>Combining the use of python data structures, functions, classes and </a:t>
+            </a:r>
+            <a:r>
+              <a:rPr b="0" lang="en-US" sz="2200" spc="-1" strike="noStrike">
+                <a:solidFill>
+                  <a:srgbClr val="ffffff"/>
+                </a:solidFill>
+                <a:latin typeface="Corbel"/>
+                <a:ea typeface="Noto Sans CJK SC"/>
+              </a:rPr>
+              <a:t>loops  helped me to think critically </a:t>
             </a:r>
             <a:r>
               <a:rPr b="0" lang="en-US" sz="2200" spc="-1" strike="noStrike">
@@ -7916,7 +7862,16 @@
                 </a:solidFill>
                 <a:latin typeface="Corbel"/>
               </a:rPr>
-              <a:t>and logically to implement the game's rules and mechanics.</a:t>
+              <a:t>and logically to implement the </a:t>
+            </a:r>
+            <a:r>
+              <a:rPr b="0" lang="en-US" sz="2200" spc="-1" strike="noStrike">
+                <a:solidFill>
+                  <a:srgbClr val="ffffff"/>
+                </a:solidFill>
+                <a:latin typeface="Corbel"/>
+              </a:rPr>
+              <a:t>game's rules and mechanics.</a:t>
             </a:r>
             <a:endParaRPr b="0" lang="en-US" sz="2200" spc="-1" strike="noStrike">
               <a:solidFill>
@@ -7948,7 +7903,25 @@
                 </a:solidFill>
                 <a:latin typeface="Corbel"/>
               </a:rPr>
-              <a:t>Attempting to automate the game provided a fun learning experience and the goals was to experience an engaging approach to learn skills that could be applied in real-world applications.</a:t>
+              <a:t>Attempting to automate the game provided a fun learning experience </a:t>
+            </a:r>
+            <a:r>
+              <a:rPr b="0" lang="en-US" sz="2200" spc="-1" strike="noStrike">
+                <a:solidFill>
+                  <a:srgbClr val="ffffff"/>
+                </a:solidFill>
+                <a:latin typeface="Corbel"/>
+              </a:rPr>
+              <a:t>and the goals was to experience an engaging approach to learn skills </a:t>
+            </a:r>
+            <a:r>
+              <a:rPr b="0" lang="en-US" sz="2200" spc="-1" strike="noStrike">
+                <a:solidFill>
+                  <a:srgbClr val="ffffff"/>
+                </a:solidFill>
+                <a:latin typeface="Corbel"/>
+              </a:rPr>
+              <a:t>that could be applied in real-world applications.</a:t>
             </a:r>
             <a:endParaRPr b="0" lang="en-US" sz="2200" spc="-1" strike="noStrike">
               <a:solidFill>
@@ -8616,7 +8589,16 @@
                 </a:solidFill>
                 <a:latin typeface="Corbel"/>
               </a:rPr>
-              <a:t>Developing a user interface using Django is a great way to enhance user-friendliness for a Black jack game application. Django is a popular web framework that provides several tools and libraries that make web development easier and faster. By using Django to develop a user interface, we can provide users with a graphical user interface (GUI) for playing the Black jack game, which is more user-friendly than a command-line interface (CLI).</a:t>
+              <a:t> </a:t>
+            </a:r>
+            <a:r>
+              <a:rPr b="0" lang="en-US" sz="2400" spc="-1" strike="noStrike">
+                <a:solidFill>
+                  <a:srgbClr val="ffffff"/>
+                </a:solidFill>
+                <a:latin typeface="Corbel"/>
+              </a:rPr>
+              <a:t>I am looking to enhance user interactive-ness by developing a user interface using Django, which will enhance user-friendliness and increase satisfaction. By using Django to develop a user interface,  I  aim at providing users with a simple graphical user interface (GUI) for playing the Black jack game, which is more user-friendly than a command-line interface (CLI).</a:t>
             </a:r>
             <a:endParaRPr b="0" lang="en-US" sz="2400" spc="-1" strike="noStrike">
               <a:solidFill>
